--- a/HCI Redesign Presentation - Military Education Portal.pptx
+++ b/HCI Redesign Presentation - Military Education Portal.pptx
@@ -29902,8 +29902,8 @@
         </p:nvSpPr>
         <p:spPr>
           <a:xfrm>
-            <a:off x="7095947" y="2152650"/>
-            <a:ext cx="4571885" cy="238124"/>
+            <a:off x="7095947" y="2121158"/>
+            <a:ext cx="2714141" cy="301108"/>
           </a:xfrm>
           <a:prstGeom prst="rect">
             <a:avLst/>
@@ -29928,12 +29928,12 @@
               </a:spcAft>
             </a:pPr>
             <a:r>
-              <a:rPr sz="1076" b="0">
+              <a:rPr sz="1076" b="0" dirty="0">
                 <a:solidFill>
                   <a:srgbClr val="555555"/>
                 </a:solidFill>
               </a:rPr>
-              <a:t>14+ nav items, buried CTAs, no visual hierarchy</a:t>
+              <a:t>14 nav items, buried CTAs, no visual hierarchy</a:t>
             </a:r>
           </a:p>
         </p:txBody>
